--- a/フローチャート/フローチャート.pptx
+++ b/フローチャート/フローチャート.pptx
@@ -5,8 +5,7 @@
     <p:sldMasterId id="2147483660" r:id="rId1"/>
   </p:sldMasterIdLst>
   <p:sldIdLst>
-    <p:sldId id="256" r:id="rId2"/>
-    <p:sldId id="257" r:id="rId3"/>
+    <p:sldId id="257" r:id="rId2"/>
   </p:sldIdLst>
   <p:sldSz cx="6858000" cy="9906000" type="A4"/>
   <p:notesSz cx="6858000" cy="9144000"/>
@@ -105,6 +104,11 @@
       </a:defRPr>
     </a:lvl9pPr>
   </p:defaultTextStyle>
+  <p:extLst>
+    <p:ext uri="{EFAFB233-063F-42B5-8137-9DF3F51BA10A}">
+      <p15:sldGuideLst xmlns:p15="http://schemas.microsoft.com/office/powerpoint/2012/main"/>
+    </p:ext>
+  </p:extLst>
 </p:presentation>
 </file>
 
@@ -239,7 +243,7 @@
           <a:p>
             <a:fld id="{E6C52737-EEE4-4A38-A6AE-E66FCA3E3B08}" type="datetimeFigureOut">
               <a:rPr kumimoji="1" lang="ja-JP" altLang="en-US" smtClean="0"/>
-              <a:t>2020/10/12</a:t>
+              <a:t>2020/10/13</a:t>
             </a:fld>
             <a:endParaRPr kumimoji="1" lang="ja-JP" altLang="en-US"/>
           </a:p>
@@ -441,7 +445,7 @@
           <a:p>
             <a:fld id="{E6C52737-EEE4-4A38-A6AE-E66FCA3E3B08}" type="datetimeFigureOut">
               <a:rPr kumimoji="1" lang="ja-JP" altLang="en-US" smtClean="0"/>
-              <a:t>2020/10/12</a:t>
+              <a:t>2020/10/13</a:t>
             </a:fld>
             <a:endParaRPr kumimoji="1" lang="ja-JP" altLang="en-US"/>
           </a:p>
@@ -653,7 +657,7 @@
           <a:p>
             <a:fld id="{E6C52737-EEE4-4A38-A6AE-E66FCA3E3B08}" type="datetimeFigureOut">
               <a:rPr kumimoji="1" lang="ja-JP" altLang="en-US" smtClean="0"/>
-              <a:t>2020/10/12</a:t>
+              <a:t>2020/10/13</a:t>
             </a:fld>
             <a:endParaRPr kumimoji="1" lang="ja-JP" altLang="en-US"/>
           </a:p>
@@ -855,7 +859,7 @@
           <a:p>
             <a:fld id="{E6C52737-EEE4-4A38-A6AE-E66FCA3E3B08}" type="datetimeFigureOut">
               <a:rPr kumimoji="1" lang="ja-JP" altLang="en-US" smtClean="0"/>
-              <a:t>2020/10/12</a:t>
+              <a:t>2020/10/13</a:t>
             </a:fld>
             <a:endParaRPr kumimoji="1" lang="ja-JP" altLang="en-US"/>
           </a:p>
@@ -1099,7 +1103,7 @@
           <a:p>
             <a:fld id="{E6C52737-EEE4-4A38-A6AE-E66FCA3E3B08}" type="datetimeFigureOut">
               <a:rPr kumimoji="1" lang="ja-JP" altLang="en-US" smtClean="0"/>
-              <a:t>2020/10/12</a:t>
+              <a:t>2020/10/13</a:t>
             </a:fld>
             <a:endParaRPr kumimoji="1" lang="ja-JP" altLang="en-US"/>
           </a:p>
@@ -1395,7 +1399,7 @@
           <a:p>
             <a:fld id="{E6C52737-EEE4-4A38-A6AE-E66FCA3E3B08}" type="datetimeFigureOut">
               <a:rPr kumimoji="1" lang="ja-JP" altLang="en-US" smtClean="0"/>
-              <a:t>2020/10/12</a:t>
+              <a:t>2020/10/13</a:t>
             </a:fld>
             <a:endParaRPr kumimoji="1" lang="ja-JP" altLang="en-US"/>
           </a:p>
@@ -1826,7 +1830,7 @@
           <a:p>
             <a:fld id="{E6C52737-EEE4-4A38-A6AE-E66FCA3E3B08}" type="datetimeFigureOut">
               <a:rPr kumimoji="1" lang="ja-JP" altLang="en-US" smtClean="0"/>
-              <a:t>2020/10/12</a:t>
+              <a:t>2020/10/13</a:t>
             </a:fld>
             <a:endParaRPr kumimoji="1" lang="ja-JP" altLang="en-US"/>
           </a:p>
@@ -1949,7 +1953,7 @@
           <a:p>
             <a:fld id="{E6C52737-EEE4-4A38-A6AE-E66FCA3E3B08}" type="datetimeFigureOut">
               <a:rPr kumimoji="1" lang="ja-JP" altLang="en-US" smtClean="0"/>
-              <a:t>2020/10/12</a:t>
+              <a:t>2020/10/13</a:t>
             </a:fld>
             <a:endParaRPr kumimoji="1" lang="ja-JP" altLang="en-US"/>
           </a:p>
@@ -2044,7 +2048,7 @@
           <a:p>
             <a:fld id="{E6C52737-EEE4-4A38-A6AE-E66FCA3E3B08}" type="datetimeFigureOut">
               <a:rPr kumimoji="1" lang="ja-JP" altLang="en-US" smtClean="0"/>
-              <a:t>2020/10/12</a:t>
+              <a:t>2020/10/13</a:t>
             </a:fld>
             <a:endParaRPr kumimoji="1" lang="ja-JP" altLang="en-US"/>
           </a:p>
@@ -2353,7 +2357,7 @@
           <a:p>
             <a:fld id="{E6C52737-EEE4-4A38-A6AE-E66FCA3E3B08}" type="datetimeFigureOut">
               <a:rPr kumimoji="1" lang="ja-JP" altLang="en-US" smtClean="0"/>
-              <a:t>2020/10/12</a:t>
+              <a:t>2020/10/13</a:t>
             </a:fld>
             <a:endParaRPr kumimoji="1" lang="ja-JP" altLang="en-US"/>
           </a:p>
@@ -2610,7 +2614,7 @@
           <a:p>
             <a:fld id="{E6C52737-EEE4-4A38-A6AE-E66FCA3E3B08}" type="datetimeFigureOut">
               <a:rPr kumimoji="1" lang="ja-JP" altLang="en-US" smtClean="0"/>
-              <a:t>2020/10/12</a:t>
+              <a:t>2020/10/13</a:t>
             </a:fld>
             <a:endParaRPr kumimoji="1" lang="ja-JP" altLang="en-US"/>
           </a:p>
@@ -2855,7 +2859,7 @@
           <a:p>
             <a:fld id="{E6C52737-EEE4-4A38-A6AE-E66FCA3E3B08}" type="datetimeFigureOut">
               <a:rPr kumimoji="1" lang="ja-JP" altLang="en-US" smtClean="0"/>
-              <a:t>2020/10/12</a:t>
+              <a:t>2020/10/13</a:t>
             </a:fld>
             <a:endParaRPr kumimoji="1" lang="ja-JP" altLang="en-US"/>
           </a:p>
@@ -3244,86 +3248,6 @@
 </file>
 
 <file path=ppt/slides/slide1.xml><?xml version="1.0" encoding="utf-8"?>
-<p:sld xmlns:a="http://schemas.openxmlformats.org/drawingml/2006/main" xmlns:r="http://schemas.openxmlformats.org/officeDocument/2006/relationships" xmlns:p="http://schemas.openxmlformats.org/presentationml/2006/main">
-  <p:cSld>
-    <p:spTree>
-      <p:nvGrpSpPr>
-        <p:cNvPr id="1" name=""/>
-        <p:cNvGrpSpPr/>
-        <p:nvPr/>
-      </p:nvGrpSpPr>
-      <p:grpSpPr>
-        <a:xfrm>
-          <a:off x="0" y="0"/>
-          <a:ext cx="0" cy="0"/>
-          <a:chOff x="0" y="0"/>
-          <a:chExt cx="0" cy="0"/>
-        </a:xfrm>
-      </p:grpSpPr>
-      <p:sp>
-        <p:nvSpPr>
-          <p:cNvPr id="2" name="タイトル 1">
-            <a:extLst>
-              <a:ext uri="{FF2B5EF4-FFF2-40B4-BE49-F238E27FC236}">
-                <a16:creationId xmlns:a16="http://schemas.microsoft.com/office/drawing/2014/main" id="{E83D3184-34D2-4B57-A659-0EF362F88BCE}"/>
-              </a:ext>
-            </a:extLst>
-          </p:cNvPr>
-          <p:cNvSpPr>
-            <a:spLocks noGrp="1"/>
-          </p:cNvSpPr>
-          <p:nvPr>
-            <p:ph type="ctrTitle"/>
-          </p:nvPr>
-        </p:nvSpPr>
-        <p:spPr/>
-        <p:txBody>
-          <a:bodyPr/>
-          <a:lstStyle/>
-          <a:p>
-            <a:endParaRPr kumimoji="1" lang="ja-JP" altLang="en-US"/>
-          </a:p>
-        </p:txBody>
-      </p:sp>
-      <p:sp>
-        <p:nvSpPr>
-          <p:cNvPr id="3" name="字幕 2">
-            <a:extLst>
-              <a:ext uri="{FF2B5EF4-FFF2-40B4-BE49-F238E27FC236}">
-                <a16:creationId xmlns:a16="http://schemas.microsoft.com/office/drawing/2014/main" id="{EAD74819-598A-4E8B-B9FB-8A036DBE8F91}"/>
-              </a:ext>
-            </a:extLst>
-          </p:cNvPr>
-          <p:cNvSpPr>
-            <a:spLocks noGrp="1"/>
-          </p:cNvSpPr>
-          <p:nvPr>
-            <p:ph type="subTitle" idx="1"/>
-          </p:nvPr>
-        </p:nvSpPr>
-        <p:spPr/>
-        <p:txBody>
-          <a:bodyPr/>
-          <a:lstStyle/>
-          <a:p>
-            <a:endParaRPr kumimoji="1" lang="ja-JP" altLang="en-US"/>
-          </a:p>
-        </p:txBody>
-      </p:sp>
-    </p:spTree>
-    <p:extLst>
-      <p:ext uri="{BB962C8B-B14F-4D97-AF65-F5344CB8AC3E}">
-        <p14:creationId xmlns:p14="http://schemas.microsoft.com/office/powerpoint/2010/main" val="1607665378"/>
-      </p:ext>
-    </p:extLst>
-  </p:cSld>
-  <p:clrMapOvr>
-    <a:masterClrMapping/>
-  </p:clrMapOvr>
-</p:sld>
-</file>
-
-<file path=ppt/slides/slide2.xml><?xml version="1.0" encoding="utf-8"?>
 <p:sld xmlns:a="http://schemas.openxmlformats.org/drawingml/2006/main" xmlns:r="http://schemas.openxmlformats.org/officeDocument/2006/relationships" xmlns:p="http://schemas.openxmlformats.org/presentationml/2006/main">
   <p:cSld>
     <p:spTree>

--- a/フローチャート/フローチャート.pptx
+++ b/フローチャート/フローチャート.pptx
@@ -243,7 +243,7 @@
           <a:p>
             <a:fld id="{E6C52737-EEE4-4A38-A6AE-E66FCA3E3B08}" type="datetimeFigureOut">
               <a:rPr kumimoji="1" lang="ja-JP" altLang="en-US" smtClean="0"/>
-              <a:t>2020/10/13</a:t>
+              <a:t>2020/11/8</a:t>
             </a:fld>
             <a:endParaRPr kumimoji="1" lang="ja-JP" altLang="en-US"/>
           </a:p>
@@ -445,7 +445,7 @@
           <a:p>
             <a:fld id="{E6C52737-EEE4-4A38-A6AE-E66FCA3E3B08}" type="datetimeFigureOut">
               <a:rPr kumimoji="1" lang="ja-JP" altLang="en-US" smtClean="0"/>
-              <a:t>2020/10/13</a:t>
+              <a:t>2020/11/8</a:t>
             </a:fld>
             <a:endParaRPr kumimoji="1" lang="ja-JP" altLang="en-US"/>
           </a:p>
@@ -657,7 +657,7 @@
           <a:p>
             <a:fld id="{E6C52737-EEE4-4A38-A6AE-E66FCA3E3B08}" type="datetimeFigureOut">
               <a:rPr kumimoji="1" lang="ja-JP" altLang="en-US" smtClean="0"/>
-              <a:t>2020/10/13</a:t>
+              <a:t>2020/11/8</a:t>
             </a:fld>
             <a:endParaRPr kumimoji="1" lang="ja-JP" altLang="en-US"/>
           </a:p>
@@ -859,7 +859,7 @@
           <a:p>
             <a:fld id="{E6C52737-EEE4-4A38-A6AE-E66FCA3E3B08}" type="datetimeFigureOut">
               <a:rPr kumimoji="1" lang="ja-JP" altLang="en-US" smtClean="0"/>
-              <a:t>2020/10/13</a:t>
+              <a:t>2020/11/8</a:t>
             </a:fld>
             <a:endParaRPr kumimoji="1" lang="ja-JP" altLang="en-US"/>
           </a:p>
@@ -1103,7 +1103,7 @@
           <a:p>
             <a:fld id="{E6C52737-EEE4-4A38-A6AE-E66FCA3E3B08}" type="datetimeFigureOut">
               <a:rPr kumimoji="1" lang="ja-JP" altLang="en-US" smtClean="0"/>
-              <a:t>2020/10/13</a:t>
+              <a:t>2020/11/8</a:t>
             </a:fld>
             <a:endParaRPr kumimoji="1" lang="ja-JP" altLang="en-US"/>
           </a:p>
@@ -1399,7 +1399,7 @@
           <a:p>
             <a:fld id="{E6C52737-EEE4-4A38-A6AE-E66FCA3E3B08}" type="datetimeFigureOut">
               <a:rPr kumimoji="1" lang="ja-JP" altLang="en-US" smtClean="0"/>
-              <a:t>2020/10/13</a:t>
+              <a:t>2020/11/8</a:t>
             </a:fld>
             <a:endParaRPr kumimoji="1" lang="ja-JP" altLang="en-US"/>
           </a:p>
@@ -1830,7 +1830,7 @@
           <a:p>
             <a:fld id="{E6C52737-EEE4-4A38-A6AE-E66FCA3E3B08}" type="datetimeFigureOut">
               <a:rPr kumimoji="1" lang="ja-JP" altLang="en-US" smtClean="0"/>
-              <a:t>2020/10/13</a:t>
+              <a:t>2020/11/8</a:t>
             </a:fld>
             <a:endParaRPr kumimoji="1" lang="ja-JP" altLang="en-US"/>
           </a:p>
@@ -1953,7 +1953,7 @@
           <a:p>
             <a:fld id="{E6C52737-EEE4-4A38-A6AE-E66FCA3E3B08}" type="datetimeFigureOut">
               <a:rPr kumimoji="1" lang="ja-JP" altLang="en-US" smtClean="0"/>
-              <a:t>2020/10/13</a:t>
+              <a:t>2020/11/8</a:t>
             </a:fld>
             <a:endParaRPr kumimoji="1" lang="ja-JP" altLang="en-US"/>
           </a:p>
@@ -2048,7 +2048,7 @@
           <a:p>
             <a:fld id="{E6C52737-EEE4-4A38-A6AE-E66FCA3E3B08}" type="datetimeFigureOut">
               <a:rPr kumimoji="1" lang="ja-JP" altLang="en-US" smtClean="0"/>
-              <a:t>2020/10/13</a:t>
+              <a:t>2020/11/8</a:t>
             </a:fld>
             <a:endParaRPr kumimoji="1" lang="ja-JP" altLang="en-US"/>
           </a:p>
@@ -2357,7 +2357,7 @@
           <a:p>
             <a:fld id="{E6C52737-EEE4-4A38-A6AE-E66FCA3E3B08}" type="datetimeFigureOut">
               <a:rPr kumimoji="1" lang="ja-JP" altLang="en-US" smtClean="0"/>
-              <a:t>2020/10/13</a:t>
+              <a:t>2020/11/8</a:t>
             </a:fld>
             <a:endParaRPr kumimoji="1" lang="ja-JP" altLang="en-US"/>
           </a:p>
@@ -2614,7 +2614,7 @@
           <a:p>
             <a:fld id="{E6C52737-EEE4-4A38-A6AE-E66FCA3E3B08}" type="datetimeFigureOut">
               <a:rPr kumimoji="1" lang="ja-JP" altLang="en-US" smtClean="0"/>
-              <a:t>2020/10/13</a:t>
+              <a:t>2020/11/8</a:t>
             </a:fld>
             <a:endParaRPr kumimoji="1" lang="ja-JP" altLang="en-US"/>
           </a:p>
@@ -2859,7 +2859,7 @@
           <a:p>
             <a:fld id="{E6C52737-EEE4-4A38-A6AE-E66FCA3E3B08}" type="datetimeFigureOut">
               <a:rPr kumimoji="1" lang="ja-JP" altLang="en-US" smtClean="0"/>
-              <a:t>2020/10/13</a:t>
+              <a:t>2020/11/8</a:t>
             </a:fld>
             <a:endParaRPr kumimoji="1" lang="ja-JP" altLang="en-US"/>
           </a:p>
@@ -5787,7 +5787,7 @@
         </p:nvSpPr>
         <p:spPr>
           <a:xfrm>
-            <a:off x="881279" y="5912930"/>
+            <a:off x="881279" y="5864554"/>
             <a:ext cx="1776662" cy="236177"/>
           </a:xfrm>
           <a:prstGeom prst="flowChartProcess">
